--- a/diploma_presentation_radkevich.pptx
+++ b/diploma_presentation_radkevich.pptx
@@ -2135,7 +2135,23 @@
               <a:ea typeface="Times New Roman" charset="0"/>
               <a:cs typeface="Times New Roman" charset="0"/>
             </a:rPr>
-            <a:t>Возможно для учебных заведений, но более общая ситуация когда в одной </a:t>
+            <a:t>Возможно для учебных заведений, но </a:t>
+          </a:r>
+          <a:r>
+            <a:rPr lang="ru-RU" smtClean="0">
+              <a:latin typeface="Times New Roman" charset="0"/>
+              <a:ea typeface="Times New Roman" charset="0"/>
+              <a:cs typeface="Times New Roman" charset="0"/>
+            </a:rPr>
+            <a:t>более реальная ситуация </a:t>
+          </a:r>
+          <a:r>
+            <a:rPr lang="ru-RU" dirty="0" smtClean="0">
+              <a:latin typeface="Times New Roman" charset="0"/>
+              <a:ea typeface="Times New Roman" charset="0"/>
+              <a:cs typeface="Times New Roman" charset="0"/>
+            </a:rPr>
+            <a:t>когда в одной </a:t>
           </a:r>
           <a:endParaRPr lang="en-US" dirty="0">
             <a:latin typeface="Times New Roman" charset="0"/>
@@ -2850,7 +2866,23 @@
               <a:ea typeface="Times New Roman" charset="0"/>
               <a:cs typeface="Times New Roman" charset="0"/>
             </a:rPr>
-            <a:t>Возможно для учебных заведений, но более общая ситуация когда в одной </a:t>
+            <a:t>Возможно для учебных заведений, но </a:t>
+          </a:r>
+          <a:r>
+            <a:rPr lang="ru-RU" sz="1900" kern="1200" smtClean="0">
+              <a:latin typeface="Times New Roman" charset="0"/>
+              <a:ea typeface="Times New Roman" charset="0"/>
+              <a:cs typeface="Times New Roman" charset="0"/>
+            </a:rPr>
+            <a:t>более реальная ситуация </a:t>
+          </a:r>
+          <a:r>
+            <a:rPr lang="ru-RU" sz="1900" kern="1200" dirty="0" smtClean="0">
+              <a:latin typeface="Times New Roman" charset="0"/>
+              <a:ea typeface="Times New Roman" charset="0"/>
+              <a:cs typeface="Times New Roman" charset="0"/>
+            </a:rPr>
+            <a:t>когда в одной </a:t>
           </a:r>
           <a:endParaRPr lang="en-US" sz="1900" kern="1200" dirty="0">
             <a:latin typeface="Times New Roman" charset="0"/>
@@ -5471,7 +5503,7 @@
               <a:pPr>
                 <a:defRPr/>
               </a:pPr>
-              <a:t>16.06.2017</a:t>
+              <a:t>21.06.2017</a:t>
             </a:fld>
             <a:endParaRPr lang="ru-RU" dirty="0"/>
           </a:p>
@@ -8288,7 +8320,7 @@
               <a:pPr>
                 <a:defRPr/>
               </a:pPr>
-              <a:t>16.06.2017</a:t>
+              <a:t>21.06.2017</a:t>
             </a:fld>
             <a:endParaRPr lang="ru-RU" dirty="0"/>
           </a:p>
@@ -8480,7 +8512,7 @@
               <a:pPr>
                 <a:defRPr/>
               </a:pPr>
-              <a:t>16.06.2017</a:t>
+              <a:t>21.06.2017</a:t>
             </a:fld>
             <a:endParaRPr lang="ru-RU" dirty="0"/>
           </a:p>
@@ -8682,7 +8714,7 @@
               <a:pPr>
                 <a:defRPr/>
               </a:pPr>
-              <a:t>16.06.2017</a:t>
+              <a:t>21.06.2017</a:t>
             </a:fld>
             <a:endParaRPr lang="ru-RU" dirty="0"/>
           </a:p>
@@ -8879,7 +8911,7 @@
               <a:pPr>
                 <a:defRPr/>
               </a:pPr>
-              <a:t>16.06.2017</a:t>
+              <a:t>21.06.2017</a:t>
             </a:fld>
             <a:endParaRPr lang="ru-RU" dirty="0"/>
           </a:p>
@@ -9389,7 +9421,7 @@
               <a:pPr>
                 <a:defRPr/>
               </a:pPr>
-              <a:t>16.06.2017</a:t>
+              <a:t>21.06.2017</a:t>
             </a:fld>
             <a:endParaRPr lang="ru-RU" dirty="0"/>
           </a:p>
@@ -9653,7 +9685,7 @@
               <a:pPr>
                 <a:defRPr/>
               </a:pPr>
-              <a:t>16.06.2017</a:t>
+              <a:t>21.06.2017</a:t>
             </a:fld>
             <a:endParaRPr lang="ru-RU" dirty="0"/>
           </a:p>
@@ -10042,7 +10074,7 @@
               <a:pPr>
                 <a:defRPr/>
               </a:pPr>
-              <a:t>16.06.2017</a:t>
+              <a:t>21.06.2017</a:t>
             </a:fld>
             <a:endParaRPr lang="ru-RU" dirty="0"/>
           </a:p>
@@ -10182,7 +10214,7 @@
               <a:pPr>
                 <a:defRPr/>
               </a:pPr>
-              <a:t>16.06.2017</a:t>
+              <a:t>21.06.2017</a:t>
             </a:fld>
             <a:endParaRPr lang="ru-RU" dirty="0"/>
           </a:p>
@@ -10299,7 +10331,7 @@
               <a:pPr>
                 <a:defRPr/>
               </a:pPr>
-              <a:t>16.06.2017</a:t>
+              <a:t>21.06.2017</a:t>
             </a:fld>
             <a:endParaRPr lang="ru-RU" dirty="0"/>
           </a:p>
@@ -10666,7 +10698,7 @@
               <a:pPr>
                 <a:defRPr/>
               </a:pPr>
-              <a:t>16.06.2017</a:t>
+              <a:t>21.06.2017</a:t>
             </a:fld>
             <a:endParaRPr lang="ru-RU" dirty="0"/>
           </a:p>
@@ -11080,7 +11112,7 @@
               <a:pPr>
                 <a:defRPr/>
               </a:pPr>
-              <a:t>16.06.2017</a:t>
+              <a:t>21.06.2017</a:t>
             </a:fld>
             <a:endParaRPr lang="ru-RU" dirty="0"/>
           </a:p>
@@ -11493,7 +11525,7 @@
               <a:pPr>
                 <a:defRPr/>
               </a:pPr>
-              <a:t>16.06.2017</a:t>
+              <a:t>21.06.2017</a:t>
             </a:fld>
             <a:endParaRPr lang="ru-RU" dirty="0"/>
           </a:p>
@@ -14377,7 +14409,7 @@
             <p:ph sz="quarter" idx="1"/>
             <p:extLst>
               <p:ext uri="{D42A27DB-BD31-4B8C-83A1-F6EECF244321}">
-                <p14:modId xmlns:p14="http://schemas.microsoft.com/office/powerpoint/2010/main" val="1788263158"/>
+                <p14:modId xmlns:p14="http://schemas.microsoft.com/office/powerpoint/2010/main" val="1890217183"/>
               </p:ext>
             </p:extLst>
           </p:nvPr>
@@ -14648,7 +14680,7 @@
           <a:p>
             <a:pPr algn="ctr"/>
             <a:r>
-              <a:rPr lang="ru-RU" b="1" dirty="0" smtClean="0">
+              <a:rPr lang="ru-RU" b="1" smtClean="0">
                 <a:solidFill>
                   <a:schemeClr val="tx1"/>
                 </a:solidFill>
@@ -14656,7 +14688,18 @@
                 <a:ea typeface="Times New Roman" charset="0"/>
                 <a:cs typeface="Times New Roman" charset="0"/>
               </a:rPr>
-              <a:t>Анализ информации</a:t>
+              <a:t>И</a:t>
+            </a:r>
+            <a:r>
+              <a:rPr lang="ru-RU" b="1" smtClean="0">
+                <a:solidFill>
+                  <a:schemeClr val="tx1"/>
+                </a:solidFill>
+                <a:latin typeface="Times New Roman" charset="0"/>
+                <a:ea typeface="Times New Roman" charset="0"/>
+                <a:cs typeface="Times New Roman" charset="0"/>
+              </a:rPr>
+              <a:t>нформация и угрозы</a:t>
             </a:r>
             <a:endParaRPr lang="en-US" b="1" dirty="0">
               <a:solidFill>
